--- a/Sat_Data_Science/DS-Day-12 R.pptx
+++ b/Sat_Data_Science/DS-Day-12 R.pptx
@@ -5,14 +5,11 @@
     <p:sldMasterId id="2147483781" r:id="rId1"/>
   </p:sldMasterIdLst>
   <p:notesMasterIdLst>
-    <p:notesMasterId r:id="rId7"/>
+    <p:notesMasterId r:id="rId4"/>
   </p:notesMasterIdLst>
   <p:sldIdLst>
     <p:sldId id="292" r:id="rId2"/>
     <p:sldId id="297" r:id="rId3"/>
-    <p:sldId id="306" r:id="rId4"/>
-    <p:sldId id="302" r:id="rId5"/>
-    <p:sldId id="307" r:id="rId6"/>
   </p:sldIdLst>
   <p:sldSz cx="9144000" cy="6858000" type="screen4x3"/>
   <p:notesSz cx="6858000" cy="9144000"/>
@@ -201,7 +198,7 @@
           <a:p>
             <a:fld id="{22783AA6-C1EF-448D-A48A-EF30DCBEFCCC}" type="datetimeFigureOut">
               <a:rPr lang="en-US" smtClean="0"/>
-              <a:t>11/30/18</a:t>
+              <a:t>12/7/18</a:t>
             </a:fld>
             <a:endParaRPr lang="en-US"/>
           </a:p>
@@ -673,312 +670,6 @@
 </p:notes>
 </file>
 
-<file path=ppt/notesSlides/notesSlide3.xml><?xml version="1.0" encoding="utf-8"?>
-<p:notes xmlns:a="http://schemas.openxmlformats.org/drawingml/2006/main" xmlns:r="http://schemas.openxmlformats.org/officeDocument/2006/relationships" xmlns:p="http://schemas.openxmlformats.org/presentationml/2006/main">
-  <p:cSld>
-    <p:spTree>
-      <p:nvGrpSpPr>
-        <p:cNvPr id="1" name=""/>
-        <p:cNvGrpSpPr/>
-        <p:nvPr/>
-      </p:nvGrpSpPr>
-      <p:grpSpPr>
-        <a:xfrm>
-          <a:off x="0" y="0"/>
-          <a:ext cx="0" cy="0"/>
-          <a:chOff x="0" y="0"/>
-          <a:chExt cx="0" cy="0"/>
-        </a:xfrm>
-      </p:grpSpPr>
-      <p:sp>
-        <p:nvSpPr>
-          <p:cNvPr id="2" name="Образ слайда 1"/>
-          <p:cNvSpPr>
-            <a:spLocks noGrp="1" noRot="1" noChangeAspect="1"/>
-          </p:cNvSpPr>
-          <p:nvPr>
-            <p:ph type="sldImg"/>
-          </p:nvPr>
-        </p:nvSpPr>
-        <p:spPr>
-          <a:xfrm>
-            <a:off x="896938" y="746125"/>
-            <a:ext cx="4967287" cy="3727450"/>
-          </a:xfrm>
-        </p:spPr>
-      </p:sp>
-      <p:sp>
-        <p:nvSpPr>
-          <p:cNvPr id="3" name="Заметки 2"/>
-          <p:cNvSpPr>
-            <a:spLocks noGrp="1"/>
-          </p:cNvSpPr>
-          <p:nvPr>
-            <p:ph type="body" idx="1"/>
-          </p:nvPr>
-        </p:nvSpPr>
-        <p:spPr/>
-        <p:txBody>
-          <a:bodyPr>
-            <a:normAutofit/>
-          </a:bodyPr>
-          <a:lstStyle/>
-          <a:p>
-            <a:endParaRPr lang="ru-RU" sz="1400" dirty="0">
-              <a:latin typeface="+mn-lt"/>
-            </a:endParaRPr>
-          </a:p>
-        </p:txBody>
-      </p:sp>
-      <p:sp>
-        <p:nvSpPr>
-          <p:cNvPr id="4" name="Номер слайда 3"/>
-          <p:cNvSpPr>
-            <a:spLocks noGrp="1"/>
-          </p:cNvSpPr>
-          <p:nvPr>
-            <p:ph type="sldNum" sz="quarter" idx="10"/>
-          </p:nvPr>
-        </p:nvSpPr>
-        <p:spPr/>
-        <p:txBody>
-          <a:bodyPr/>
-          <a:lstStyle/>
-          <a:p>
-            <a:fld id="{A868C670-7DD8-483E-B635-2FC3EA348D84}" type="slidenum">
-              <a:rPr lang="ru-RU" smtClean="0">
-                <a:solidFill>
-                  <a:prstClr val="black"/>
-                </a:solidFill>
-              </a:rPr>
-              <a:pPr/>
-              <a:t>3</a:t>
-            </a:fld>
-            <a:endParaRPr lang="ru-RU">
-              <a:solidFill>
-                <a:prstClr val="black"/>
-              </a:solidFill>
-            </a:endParaRPr>
-          </a:p>
-        </p:txBody>
-      </p:sp>
-    </p:spTree>
-    <p:extLst>
-      <p:ext uri="{BB962C8B-B14F-4D97-AF65-F5344CB8AC3E}">
-        <p14:creationId xmlns:p14="http://schemas.microsoft.com/office/powerpoint/2010/main" val="3047973416"/>
-      </p:ext>
-    </p:extLst>
-  </p:cSld>
-  <p:clrMapOvr>
-    <a:masterClrMapping/>
-  </p:clrMapOvr>
-</p:notes>
-</file>
-
-<file path=ppt/notesSlides/notesSlide4.xml><?xml version="1.0" encoding="utf-8"?>
-<p:notes xmlns:a="http://schemas.openxmlformats.org/drawingml/2006/main" xmlns:r="http://schemas.openxmlformats.org/officeDocument/2006/relationships" xmlns:p="http://schemas.openxmlformats.org/presentationml/2006/main">
-  <p:cSld>
-    <p:spTree>
-      <p:nvGrpSpPr>
-        <p:cNvPr id="1" name=""/>
-        <p:cNvGrpSpPr/>
-        <p:nvPr/>
-      </p:nvGrpSpPr>
-      <p:grpSpPr>
-        <a:xfrm>
-          <a:off x="0" y="0"/>
-          <a:ext cx="0" cy="0"/>
-          <a:chOff x="0" y="0"/>
-          <a:chExt cx="0" cy="0"/>
-        </a:xfrm>
-      </p:grpSpPr>
-      <p:sp>
-        <p:nvSpPr>
-          <p:cNvPr id="2" name="Образ слайда 1"/>
-          <p:cNvSpPr>
-            <a:spLocks noGrp="1" noRot="1" noChangeAspect="1"/>
-          </p:cNvSpPr>
-          <p:nvPr>
-            <p:ph type="sldImg"/>
-          </p:nvPr>
-        </p:nvSpPr>
-        <p:spPr>
-          <a:xfrm>
-            <a:off x="896938" y="746125"/>
-            <a:ext cx="4967287" cy="3727450"/>
-          </a:xfrm>
-        </p:spPr>
-      </p:sp>
-      <p:sp>
-        <p:nvSpPr>
-          <p:cNvPr id="3" name="Заметки 2"/>
-          <p:cNvSpPr>
-            <a:spLocks noGrp="1"/>
-          </p:cNvSpPr>
-          <p:nvPr>
-            <p:ph type="body" idx="1"/>
-          </p:nvPr>
-        </p:nvSpPr>
-        <p:spPr/>
-        <p:txBody>
-          <a:bodyPr>
-            <a:normAutofit/>
-          </a:bodyPr>
-          <a:lstStyle/>
-          <a:p>
-            <a:endParaRPr lang="ru-RU" sz="1400" dirty="0">
-              <a:latin typeface="+mn-lt"/>
-            </a:endParaRPr>
-          </a:p>
-        </p:txBody>
-      </p:sp>
-      <p:sp>
-        <p:nvSpPr>
-          <p:cNvPr id="4" name="Номер слайда 3"/>
-          <p:cNvSpPr>
-            <a:spLocks noGrp="1"/>
-          </p:cNvSpPr>
-          <p:nvPr>
-            <p:ph type="sldNum" sz="quarter" idx="10"/>
-          </p:nvPr>
-        </p:nvSpPr>
-        <p:spPr/>
-        <p:txBody>
-          <a:bodyPr/>
-          <a:lstStyle/>
-          <a:p>
-            <a:fld id="{A868C670-7DD8-483E-B635-2FC3EA348D84}" type="slidenum">
-              <a:rPr lang="ru-RU" smtClean="0">
-                <a:solidFill>
-                  <a:prstClr val="black"/>
-                </a:solidFill>
-              </a:rPr>
-              <a:pPr/>
-              <a:t>4</a:t>
-            </a:fld>
-            <a:endParaRPr lang="ru-RU">
-              <a:solidFill>
-                <a:prstClr val="black"/>
-              </a:solidFill>
-            </a:endParaRPr>
-          </a:p>
-        </p:txBody>
-      </p:sp>
-    </p:spTree>
-    <p:extLst>
-      <p:ext uri="{BB962C8B-B14F-4D97-AF65-F5344CB8AC3E}">
-        <p14:creationId xmlns:p14="http://schemas.microsoft.com/office/powerpoint/2010/main" val="738853100"/>
-      </p:ext>
-    </p:extLst>
-  </p:cSld>
-  <p:clrMapOvr>
-    <a:masterClrMapping/>
-  </p:clrMapOvr>
-</p:notes>
-</file>
-
-<file path=ppt/notesSlides/notesSlide5.xml><?xml version="1.0" encoding="utf-8"?>
-<p:notes xmlns:a="http://schemas.openxmlformats.org/drawingml/2006/main" xmlns:r="http://schemas.openxmlformats.org/officeDocument/2006/relationships" xmlns:p="http://schemas.openxmlformats.org/presentationml/2006/main">
-  <p:cSld>
-    <p:spTree>
-      <p:nvGrpSpPr>
-        <p:cNvPr id="1" name=""/>
-        <p:cNvGrpSpPr/>
-        <p:nvPr/>
-      </p:nvGrpSpPr>
-      <p:grpSpPr>
-        <a:xfrm>
-          <a:off x="0" y="0"/>
-          <a:ext cx="0" cy="0"/>
-          <a:chOff x="0" y="0"/>
-          <a:chExt cx="0" cy="0"/>
-        </a:xfrm>
-      </p:grpSpPr>
-      <p:sp>
-        <p:nvSpPr>
-          <p:cNvPr id="2" name="Образ слайда 1"/>
-          <p:cNvSpPr>
-            <a:spLocks noGrp="1" noRot="1" noChangeAspect="1"/>
-          </p:cNvSpPr>
-          <p:nvPr>
-            <p:ph type="sldImg"/>
-          </p:nvPr>
-        </p:nvSpPr>
-        <p:spPr>
-          <a:xfrm>
-            <a:off x="896938" y="746125"/>
-            <a:ext cx="4967287" cy="3727450"/>
-          </a:xfrm>
-        </p:spPr>
-      </p:sp>
-      <p:sp>
-        <p:nvSpPr>
-          <p:cNvPr id="3" name="Заметки 2"/>
-          <p:cNvSpPr>
-            <a:spLocks noGrp="1"/>
-          </p:cNvSpPr>
-          <p:nvPr>
-            <p:ph type="body" idx="1"/>
-          </p:nvPr>
-        </p:nvSpPr>
-        <p:spPr/>
-        <p:txBody>
-          <a:bodyPr>
-            <a:normAutofit/>
-          </a:bodyPr>
-          <a:lstStyle/>
-          <a:p>
-            <a:endParaRPr lang="ru-RU" sz="1400" dirty="0">
-              <a:latin typeface="+mn-lt"/>
-            </a:endParaRPr>
-          </a:p>
-        </p:txBody>
-      </p:sp>
-      <p:sp>
-        <p:nvSpPr>
-          <p:cNvPr id="4" name="Номер слайда 3"/>
-          <p:cNvSpPr>
-            <a:spLocks noGrp="1"/>
-          </p:cNvSpPr>
-          <p:nvPr>
-            <p:ph type="sldNum" sz="quarter" idx="10"/>
-          </p:nvPr>
-        </p:nvSpPr>
-        <p:spPr/>
-        <p:txBody>
-          <a:bodyPr/>
-          <a:lstStyle/>
-          <a:p>
-            <a:fld id="{A868C670-7DD8-483E-B635-2FC3EA348D84}" type="slidenum">
-              <a:rPr lang="ru-RU" smtClean="0">
-                <a:solidFill>
-                  <a:prstClr val="black"/>
-                </a:solidFill>
-              </a:rPr>
-              <a:pPr/>
-              <a:t>5</a:t>
-            </a:fld>
-            <a:endParaRPr lang="ru-RU">
-              <a:solidFill>
-                <a:prstClr val="black"/>
-              </a:solidFill>
-            </a:endParaRPr>
-          </a:p>
-        </p:txBody>
-      </p:sp>
-    </p:spTree>
-    <p:extLst>
-      <p:ext uri="{BB962C8B-B14F-4D97-AF65-F5344CB8AC3E}">
-        <p14:creationId xmlns:p14="http://schemas.microsoft.com/office/powerpoint/2010/main" val="2554620275"/>
-      </p:ext>
-    </p:extLst>
-  </p:cSld>
-  <p:clrMapOvr>
-    <a:masterClrMapping/>
-  </p:clrMapOvr>
-</p:notes>
-</file>
-
 <file path=ppt/slideLayouts/slideLayout1.xml><?xml version="1.0" encoding="utf-8"?>
 <p:sldLayout xmlns:a="http://schemas.openxmlformats.org/drawingml/2006/main" xmlns:r="http://schemas.openxmlformats.org/officeDocument/2006/relationships" xmlns:p="http://schemas.openxmlformats.org/presentationml/2006/main" type="title" preserve="1">
   <p:cSld name="Титульный слайд">
@@ -1121,7 +812,7 @@
           <a:p>
             <a:fld id="{C14F4D0B-68E4-4C14-BD4D-319F9BD213A3}" type="datetimeFigureOut">
               <a:rPr lang="ru-RU" smtClean="0"/>
-              <a:t>30.11.2018</a:t>
+              <a:t>07.12.2018</a:t>
             </a:fld>
             <a:endParaRPr lang="ru-RU"/>
           </a:p>
@@ -1291,7 +982,7 @@
           <a:p>
             <a:fld id="{C14F4D0B-68E4-4C14-BD4D-319F9BD213A3}" type="datetimeFigureOut">
               <a:rPr lang="ru-RU" smtClean="0"/>
-              <a:t>30.11.2018</a:t>
+              <a:t>07.12.2018</a:t>
             </a:fld>
             <a:endParaRPr lang="ru-RU"/>
           </a:p>
@@ -1471,7 +1162,7 @@
           <a:p>
             <a:fld id="{C14F4D0B-68E4-4C14-BD4D-319F9BD213A3}" type="datetimeFigureOut">
               <a:rPr lang="ru-RU" smtClean="0"/>
-              <a:t>30.11.2018</a:t>
+              <a:t>07.12.2018</a:t>
             </a:fld>
             <a:endParaRPr lang="ru-RU"/>
           </a:p>
@@ -1641,7 +1332,7 @@
           <a:p>
             <a:fld id="{C14F4D0B-68E4-4C14-BD4D-319F9BD213A3}" type="datetimeFigureOut">
               <a:rPr lang="ru-RU" smtClean="0"/>
-              <a:t>30.11.2018</a:t>
+              <a:t>07.12.2018</a:t>
             </a:fld>
             <a:endParaRPr lang="ru-RU"/>
           </a:p>
@@ -1892,7 +1583,7 @@
           <a:p>
             <a:fld id="{C14F4D0B-68E4-4C14-BD4D-319F9BD213A3}" type="datetimeFigureOut">
               <a:rPr lang="ru-RU" smtClean="0"/>
-              <a:t>30.11.2018</a:t>
+              <a:t>07.12.2018</a:t>
             </a:fld>
             <a:endParaRPr lang="ru-RU"/>
           </a:p>
@@ -2124,7 +1815,7 @@
           <a:p>
             <a:fld id="{C14F4D0B-68E4-4C14-BD4D-319F9BD213A3}" type="datetimeFigureOut">
               <a:rPr lang="ru-RU" smtClean="0"/>
-              <a:t>30.11.2018</a:t>
+              <a:t>07.12.2018</a:t>
             </a:fld>
             <a:endParaRPr lang="ru-RU"/>
           </a:p>
@@ -2471,7 +2162,7 @@
           <a:p>
             <a:fld id="{C14F4D0B-68E4-4C14-BD4D-319F9BD213A3}" type="datetimeFigureOut">
               <a:rPr lang="ru-RU" smtClean="0"/>
-              <a:t>30.11.2018</a:t>
+              <a:t>07.12.2018</a:t>
             </a:fld>
             <a:endParaRPr lang="ru-RU"/>
           </a:p>
@@ -2589,7 +2280,7 @@
           <a:p>
             <a:fld id="{C14F4D0B-68E4-4C14-BD4D-319F9BD213A3}" type="datetimeFigureOut">
               <a:rPr lang="ru-RU" smtClean="0"/>
-              <a:t>30.11.2018</a:t>
+              <a:t>07.12.2018</a:t>
             </a:fld>
             <a:endParaRPr lang="ru-RU"/>
           </a:p>
@@ -2707,7 +2398,7 @@
           <a:p>
             <a:fld id="{C14F4D0B-68E4-4C14-BD4D-319F9BD213A3}" type="datetimeFigureOut">
               <a:rPr lang="ru-RU" smtClean="0"/>
-              <a:t>30.11.2018</a:t>
+              <a:t>07.12.2018</a:t>
             </a:fld>
             <a:endParaRPr lang="ru-RU"/>
           </a:p>
@@ -2991,7 +2682,7 @@
           <a:p>
             <a:fld id="{C14F4D0B-68E4-4C14-BD4D-319F9BD213A3}" type="datetimeFigureOut">
               <a:rPr lang="ru-RU" smtClean="0"/>
-              <a:t>30.11.2018</a:t>
+              <a:t>07.12.2018</a:t>
             </a:fld>
             <a:endParaRPr lang="ru-RU"/>
           </a:p>
@@ -3255,7 +2946,7 @@
           <a:p>
             <a:fld id="{C14F4D0B-68E4-4C14-BD4D-319F9BD213A3}" type="datetimeFigureOut">
               <a:rPr lang="ru-RU" smtClean="0"/>
-              <a:t>30.11.2018</a:t>
+              <a:t>07.12.2018</a:t>
             </a:fld>
             <a:endParaRPr lang="ru-RU"/>
           </a:p>
@@ -3469,7 +3160,7 @@
           <a:p>
             <a:fld id="{C14F4D0B-68E4-4C14-BD4D-319F9BD213A3}" type="datetimeFigureOut">
               <a:rPr lang="ru-RU" smtClean="0"/>
-              <a:t>30.11.2018</a:t>
+              <a:t>07.12.2018</a:t>
             </a:fld>
             <a:endParaRPr lang="ru-RU"/>
           </a:p>
@@ -4638,1426 +4329,6 @@
     <p:extLst>
       <p:ext uri="{BB962C8B-B14F-4D97-AF65-F5344CB8AC3E}">
         <p14:creationId xmlns:p14="http://schemas.microsoft.com/office/powerpoint/2010/main" val="2551178206"/>
-      </p:ext>
-    </p:extLst>
-  </p:cSld>
-  <p:clrMapOvr>
-    <a:masterClrMapping/>
-  </p:clrMapOvr>
-</p:sld>
-</file>
-
-<file path=ppt/slides/slide3.xml><?xml version="1.0" encoding="utf-8"?>
-<p:sld xmlns:a="http://schemas.openxmlformats.org/drawingml/2006/main" xmlns:r="http://schemas.openxmlformats.org/officeDocument/2006/relationships" xmlns:p="http://schemas.openxmlformats.org/presentationml/2006/main">
-  <p:cSld>
-    <p:spTree>
-      <p:nvGrpSpPr>
-        <p:cNvPr id="1" name=""/>
-        <p:cNvGrpSpPr/>
-        <p:nvPr/>
-      </p:nvGrpSpPr>
-      <p:grpSpPr>
-        <a:xfrm>
-          <a:off x="0" y="0"/>
-          <a:ext cx="0" cy="0"/>
-          <a:chOff x="0" y="0"/>
-          <a:chExt cx="0" cy="0"/>
-        </a:xfrm>
-      </p:grpSpPr>
-      <p:grpSp>
-        <p:nvGrpSpPr>
-          <p:cNvPr id="9" name="Группа 8"/>
-          <p:cNvGrpSpPr/>
-          <p:nvPr/>
-        </p:nvGrpSpPr>
-        <p:grpSpPr>
-          <a:xfrm>
-            <a:off x="231641" y="804755"/>
-            <a:ext cx="8583930" cy="83408"/>
-            <a:chOff x="240030" y="759941"/>
-            <a:chExt cx="8583930" cy="83408"/>
-          </a:xfrm>
-        </p:grpSpPr>
-        <p:cxnSp>
-          <p:nvCxnSpPr>
-            <p:cNvPr id="2" name="Прямая соединительная линия 1"/>
-            <p:cNvCxnSpPr/>
-            <p:nvPr/>
-          </p:nvCxnSpPr>
-          <p:spPr>
-            <a:xfrm>
-              <a:off x="560070" y="759941"/>
-              <a:ext cx="8263890" cy="0"/>
-            </a:xfrm>
-            <a:prstGeom prst="line">
-              <a:avLst/>
-            </a:prstGeom>
-            <a:ln w="76200" cap="flat" cmpd="sng" algn="ctr">
-              <a:solidFill>
-                <a:srgbClr val="0064B5"/>
-              </a:solidFill>
-              <a:prstDash val="solid"/>
-              <a:round/>
-              <a:headEnd type="none" w="med" len="sm"/>
-              <a:tailEnd type="none" w="med" len="sm"/>
-            </a:ln>
-          </p:spPr>
-          <p:style>
-            <a:lnRef idx="1">
-              <a:schemeClr val="accent1"/>
-            </a:lnRef>
-            <a:fillRef idx="0">
-              <a:schemeClr val="accent1"/>
-            </a:fillRef>
-            <a:effectRef idx="0">
-              <a:schemeClr val="accent1"/>
-            </a:effectRef>
-            <a:fontRef idx="minor">
-              <a:schemeClr val="tx1"/>
-            </a:fontRef>
-          </p:style>
-        </p:cxnSp>
-        <p:cxnSp>
-          <p:nvCxnSpPr>
-            <p:cNvPr id="3" name="Прямая соединительная линия 2"/>
-            <p:cNvCxnSpPr/>
-            <p:nvPr/>
-          </p:nvCxnSpPr>
-          <p:spPr>
-            <a:xfrm>
-              <a:off x="240030" y="843349"/>
-              <a:ext cx="8286750" cy="0"/>
-            </a:xfrm>
-            <a:prstGeom prst="line">
-              <a:avLst/>
-            </a:prstGeom>
-            <a:ln w="76200" cap="flat" cmpd="sng" algn="ctr">
-              <a:solidFill>
-                <a:srgbClr val="F5A200"/>
-              </a:solidFill>
-              <a:prstDash val="solid"/>
-              <a:round/>
-              <a:headEnd type="none" w="med" len="sm"/>
-              <a:tailEnd type="none" w="med" len="sm"/>
-            </a:ln>
-          </p:spPr>
-          <p:style>
-            <a:lnRef idx="1">
-              <a:schemeClr val="accent1"/>
-            </a:lnRef>
-            <a:fillRef idx="0">
-              <a:schemeClr val="accent1"/>
-            </a:fillRef>
-            <a:effectRef idx="0">
-              <a:schemeClr val="accent1"/>
-            </a:effectRef>
-            <a:fontRef idx="minor">
-              <a:schemeClr val="tx1"/>
-            </a:fontRef>
-          </p:style>
-        </p:cxnSp>
-      </p:grpSp>
-      <p:sp>
-        <p:nvSpPr>
-          <p:cNvPr id="5" name="TextBox 4"/>
-          <p:cNvSpPr txBox="1"/>
-          <p:nvPr/>
-        </p:nvSpPr>
-        <p:spPr>
-          <a:xfrm>
-            <a:off x="491506" y="135310"/>
-            <a:ext cx="8504712" cy="629326"/>
-          </a:xfrm>
-          <a:prstGeom prst="rect">
-            <a:avLst/>
-          </a:prstGeom>
-          <a:noFill/>
-        </p:spPr>
-        <p:txBody>
-          <a:bodyPr vert="horz" wrap="square" lIns="74600" tIns="37300" rIns="74600" bIns="37300" rtlCol="0">
-            <a:spAutoFit/>
-          </a:bodyPr>
-          <a:lstStyle/>
-          <a:p>
-            <a:r>
-              <a:rPr lang="en-US" sz="3600" b="1" dirty="0" err="1">
-                <a:solidFill>
-                  <a:srgbClr val="0064B5"/>
-                </a:solidFill>
-                <a:latin typeface="Arial" pitchFamily="34" charset="0"/>
-                <a:cs typeface="Arial" pitchFamily="34" charset="0"/>
-              </a:rPr>
-              <a:t>Plotly</a:t>
-            </a:r>
-            <a:r>
-              <a:rPr lang="ru-RU" sz="3600" b="1" dirty="0">
-                <a:solidFill>
-                  <a:srgbClr val="0064B5"/>
-                </a:solidFill>
-                <a:latin typeface="Arial" pitchFamily="34" charset="0"/>
-                <a:cs typeface="Arial" pitchFamily="34" charset="0"/>
-              </a:rPr>
-              <a:t>	</a:t>
-            </a:r>
-            <a:r>
-              <a:rPr lang="en-US" sz="3600" b="1" dirty="0">
-                <a:solidFill>
-                  <a:srgbClr val="0064B5"/>
-                </a:solidFill>
-                <a:latin typeface="Arial" pitchFamily="34" charset="0"/>
-                <a:cs typeface="Arial" pitchFamily="34" charset="0"/>
-              </a:rPr>
-              <a:t> </a:t>
-            </a:r>
-            <a:endParaRPr lang="ru-RU" sz="3600" b="1" dirty="0">
-              <a:solidFill>
-                <a:srgbClr val="0064B5"/>
-              </a:solidFill>
-              <a:latin typeface="Arial" pitchFamily="34" charset="0"/>
-              <a:cs typeface="Arial" pitchFamily="34" charset="0"/>
-            </a:endParaRPr>
-          </a:p>
-        </p:txBody>
-      </p:sp>
-      <p:sp>
-        <p:nvSpPr>
-          <p:cNvPr id="11" name="Rectangle 3"/>
-          <p:cNvSpPr>
-            <a:spLocks noChangeArrowheads="1"/>
-          </p:cNvSpPr>
-          <p:nvPr/>
-        </p:nvSpPr>
-        <p:spPr bwMode="auto">
-          <a:xfrm>
-            <a:off x="2797175" y="1828800"/>
-            <a:ext cx="9144000" cy="0"/>
-          </a:xfrm>
-          <a:prstGeom prst="rect">
-            <a:avLst/>
-          </a:prstGeom>
-          <a:noFill/>
-          <a:ln>
-            <a:noFill/>
-          </a:ln>
-          <a:effectLst/>
-          <a:extLst>
-            <a:ext uri="{909E8E84-426E-40DD-AFC4-6F175D3DCCD1}">
-              <a14:hiddenFill xmlns:a14="http://schemas.microsoft.com/office/drawing/2010/main">
-                <a:solidFill>
-                  <a:schemeClr val="accent1"/>
-                </a:solidFill>
-              </a14:hiddenFill>
-            </a:ext>
-            <a:ext uri="{91240B29-F687-4F45-9708-019B960494DF}">
-              <a14:hiddenLine xmlns:a14="http://schemas.microsoft.com/office/drawing/2010/main" w="9525">
-                <a:solidFill>
-                  <a:schemeClr val="tx1"/>
-                </a:solidFill>
-                <a:miter lim="800000"/>
-                <a:headEnd/>
-                <a:tailEnd/>
-              </a14:hiddenLine>
-            </a:ext>
-            <a:ext uri="{AF507438-7753-43E0-B8FC-AC1667EBCBE1}">
-              <a14:hiddenEffects xmlns:a14="http://schemas.microsoft.com/office/drawing/2010/main">
-                <a:effectLst>
-                  <a:outerShdw dist="35921" dir="2700000" algn="ctr" rotWithShape="0">
-                    <a:schemeClr val="bg2"/>
-                  </a:outerShdw>
-                </a:effectLst>
-              </a14:hiddenEffects>
-            </a:ext>
-          </a:extLst>
-        </p:spPr>
-        <p:txBody>
-          <a:bodyPr vert="horz" wrap="none" lIns="91440" tIns="45720" rIns="91440" bIns="45720" numCol="1" anchor="ctr" anchorCtr="0" compatLnSpc="1">
-            <a:prstTxWarp prst="textNoShape">
-              <a:avLst/>
-            </a:prstTxWarp>
-            <a:spAutoFit/>
-          </a:bodyPr>
-          <a:lstStyle/>
-          <a:p>
-            <a:pPr marL="0" marR="0" lvl="0" indent="0" algn="l" defTabSz="914400" rtl="0" eaLnBrk="0" fontAlgn="base" latinLnBrk="0" hangingPunct="0">
-              <a:lnSpc>
-                <a:spcPct val="100000"/>
-              </a:lnSpc>
-              <a:spcBef>
-                <a:spcPct val="0"/>
-              </a:spcBef>
-              <a:spcAft>
-                <a:spcPct val="0"/>
-              </a:spcAft>
-              <a:buClrTx/>
-              <a:buSzTx/>
-              <a:buFontTx/>
-              <a:buNone/>
-              <a:tabLst/>
-            </a:pPr>
-            <a:br>
-              <a:rPr kumimoji="0" lang="en-US" altLang="en-US" sz="1800" b="0" i="0" u="none" strike="noStrike" cap="none" normalizeH="0" baseline="0">
-                <a:ln>
-                  <a:noFill/>
-                </a:ln>
-                <a:solidFill>
-                  <a:schemeClr val="tx1"/>
-                </a:solidFill>
-                <a:effectLst/>
-                <a:latin typeface="Arial" panose="020B0604020202020204" pitchFamily="34" charset="0"/>
-              </a:rPr>
-            </a:br>
-            <a:endParaRPr kumimoji="0" lang="en-US" altLang="en-US" sz="1800" b="0" i="0" u="none" strike="noStrike" cap="none" normalizeH="0" baseline="0">
-              <a:ln>
-                <a:noFill/>
-              </a:ln>
-              <a:solidFill>
-                <a:schemeClr val="tx1"/>
-              </a:solidFill>
-              <a:effectLst/>
-              <a:latin typeface="Arial" panose="020B0604020202020204" pitchFamily="34" charset="0"/>
-            </a:endParaRPr>
-          </a:p>
-        </p:txBody>
-      </p:sp>
-      <p:sp>
-        <p:nvSpPr>
-          <p:cNvPr id="10" name="Прямоугольник 9"/>
-          <p:cNvSpPr/>
-          <p:nvPr/>
-        </p:nvSpPr>
-        <p:spPr>
-          <a:xfrm>
-            <a:off x="300524" y="1030293"/>
-            <a:ext cx="7752907" cy="5847755"/>
-          </a:xfrm>
-          <a:prstGeom prst="rect">
-            <a:avLst/>
-          </a:prstGeom>
-        </p:spPr>
-        <p:txBody>
-          <a:bodyPr wrap="square">
-            <a:spAutoFit/>
-          </a:bodyPr>
-          <a:lstStyle/>
-          <a:p>
-            <a:r>
-              <a:rPr lang="en-US" sz="2400" dirty="0" err="1"/>
-              <a:t>install.packages</a:t>
-            </a:r>
-            <a:r>
-              <a:rPr lang="en-US" sz="2400" dirty="0"/>
-              <a:t>("</a:t>
-            </a:r>
-            <a:r>
-              <a:rPr lang="en-US" sz="2400" dirty="0" err="1"/>
-              <a:t>plotly</a:t>
-            </a:r>
-            <a:r>
-              <a:rPr lang="en-US" sz="2400" dirty="0"/>
-              <a:t>")</a:t>
-            </a:r>
-            <a:endParaRPr lang="ru-RU" sz="2400" dirty="0"/>
-          </a:p>
-          <a:p>
-            <a:r>
-              <a:rPr lang="ru-RU" sz="2400" dirty="0"/>
-              <a:t>Библиотека для интерактивных графиков!</a:t>
-            </a:r>
-            <a:endParaRPr lang="ru-RU" sz="2400" dirty="0">
-              <a:sym typeface="Wingdings" panose="05000000000000000000" pitchFamily="2" charset="2"/>
-            </a:endParaRPr>
-          </a:p>
-          <a:p>
-            <a:endParaRPr lang="ru-RU" sz="2400" dirty="0">
-              <a:sym typeface="Wingdings" panose="05000000000000000000" pitchFamily="2" charset="2"/>
-            </a:endParaRPr>
-          </a:p>
-          <a:p>
-            <a:endParaRPr lang="ru-RU" sz="2400" dirty="0">
-              <a:sym typeface="Wingdings" panose="05000000000000000000" pitchFamily="2" charset="2"/>
-            </a:endParaRPr>
-          </a:p>
-          <a:p>
-            <a:endParaRPr lang="ru-RU" sz="2400" dirty="0">
-              <a:sym typeface="Wingdings" panose="05000000000000000000" pitchFamily="2" charset="2"/>
-            </a:endParaRPr>
-          </a:p>
-          <a:p>
-            <a:endParaRPr lang="ru-RU" sz="2400" dirty="0">
-              <a:sym typeface="Wingdings" panose="05000000000000000000" pitchFamily="2" charset="2"/>
-            </a:endParaRPr>
-          </a:p>
-          <a:p>
-            <a:endParaRPr lang="ru-RU" sz="2400" dirty="0">
-              <a:sym typeface="Wingdings" panose="05000000000000000000" pitchFamily="2" charset="2"/>
-            </a:endParaRPr>
-          </a:p>
-          <a:p>
-            <a:endParaRPr lang="ru-RU" sz="2400" dirty="0">
-              <a:sym typeface="Wingdings" panose="05000000000000000000" pitchFamily="2" charset="2"/>
-            </a:endParaRPr>
-          </a:p>
-          <a:p>
-            <a:endParaRPr lang="ru-RU" sz="2400" dirty="0">
-              <a:sym typeface="Wingdings" panose="05000000000000000000" pitchFamily="2" charset="2"/>
-            </a:endParaRPr>
-          </a:p>
-          <a:p>
-            <a:endParaRPr lang="ru-RU" sz="2400" dirty="0">
-              <a:sym typeface="Wingdings" panose="05000000000000000000" pitchFamily="2" charset="2"/>
-            </a:endParaRPr>
-          </a:p>
-          <a:p>
-            <a:endParaRPr lang="ru-RU" sz="2400" dirty="0">
-              <a:sym typeface="Wingdings" panose="05000000000000000000" pitchFamily="2" charset="2"/>
-            </a:endParaRPr>
-          </a:p>
-          <a:p>
-            <a:endParaRPr lang="ru-RU" sz="2400" dirty="0">
-              <a:sym typeface="Wingdings" panose="05000000000000000000" pitchFamily="2" charset="2"/>
-            </a:endParaRPr>
-          </a:p>
-          <a:p>
-            <a:endParaRPr lang="ru-RU" sz="2400" dirty="0">
-              <a:sym typeface="Wingdings" panose="05000000000000000000" pitchFamily="2" charset="2"/>
-            </a:endParaRPr>
-          </a:p>
-          <a:p>
-            <a:r>
-              <a:rPr lang="en-US" sz="2400" dirty="0" err="1">
-                <a:sym typeface="Wingdings" panose="05000000000000000000" pitchFamily="2" charset="2"/>
-              </a:rPr>
-              <a:t>ggplotly</a:t>
-            </a:r>
-            <a:r>
-              <a:rPr lang="en-US" sz="2400" dirty="0">
-                <a:sym typeface="Wingdings" panose="05000000000000000000" pitchFamily="2" charset="2"/>
-              </a:rPr>
-              <a:t>() – </a:t>
-            </a:r>
-            <a:r>
-              <a:rPr lang="ru-RU" sz="2400" dirty="0">
-                <a:sym typeface="Wingdings" panose="05000000000000000000" pitchFamily="2" charset="2"/>
-              </a:rPr>
-              <a:t>функция приведения к интерактивному формату</a:t>
-            </a:r>
-          </a:p>
-          <a:p>
-            <a:r>
-              <a:rPr lang="ru-RU" sz="1400" dirty="0">
-                <a:sym typeface="Wingdings" panose="05000000000000000000" pitchFamily="2" charset="2"/>
-              </a:rPr>
-              <a:t>Основы представлены тут </a:t>
-            </a:r>
-            <a:r>
-              <a:rPr lang="en-US" sz="1400" dirty="0">
-                <a:sym typeface="Wingdings" panose="05000000000000000000" pitchFamily="2" charset="2"/>
-              </a:rPr>
-              <a:t>https://plotly-book.cpsievert.me</a:t>
-            </a:r>
-          </a:p>
-        </p:txBody>
-      </p:sp>
-      <p:pic>
-        <p:nvPicPr>
-          <p:cNvPr id="6" name="Рисунок 5"/>
-          <p:cNvPicPr>
-            <a:picLocks noChangeAspect="1"/>
-          </p:cNvPicPr>
-          <p:nvPr/>
-        </p:nvPicPr>
-        <p:blipFill>
-          <a:blip r:embed="rId3"/>
-          <a:stretch>
-            <a:fillRect/>
-          </a:stretch>
-        </p:blipFill>
-        <p:spPr>
-          <a:xfrm>
-            <a:off x="5094514" y="2093796"/>
-            <a:ext cx="3577067" cy="3674371"/>
-          </a:xfrm>
-          <a:prstGeom prst="rect">
-            <a:avLst/>
-          </a:prstGeom>
-        </p:spPr>
-      </p:pic>
-      <p:pic>
-        <p:nvPicPr>
-          <p:cNvPr id="7" name="Рисунок 6"/>
-          <p:cNvPicPr>
-            <a:picLocks noChangeAspect="1"/>
-          </p:cNvPicPr>
-          <p:nvPr/>
-        </p:nvPicPr>
-        <p:blipFill>
-          <a:blip r:embed="rId4"/>
-          <a:stretch>
-            <a:fillRect/>
-          </a:stretch>
-        </p:blipFill>
-        <p:spPr>
-          <a:xfrm>
-            <a:off x="93689" y="2516510"/>
-            <a:ext cx="5000825" cy="2537732"/>
-          </a:xfrm>
-          <a:prstGeom prst="rect">
-            <a:avLst/>
-          </a:prstGeom>
-        </p:spPr>
-      </p:pic>
-    </p:spTree>
-    <p:extLst>
-      <p:ext uri="{BB962C8B-B14F-4D97-AF65-F5344CB8AC3E}">
-        <p14:creationId xmlns:p14="http://schemas.microsoft.com/office/powerpoint/2010/main" val="2735912798"/>
-      </p:ext>
-    </p:extLst>
-  </p:cSld>
-  <p:clrMapOvr>
-    <a:masterClrMapping/>
-  </p:clrMapOvr>
-</p:sld>
-</file>
-
-<file path=ppt/slides/slide4.xml><?xml version="1.0" encoding="utf-8"?>
-<p:sld xmlns:a="http://schemas.openxmlformats.org/drawingml/2006/main" xmlns:r="http://schemas.openxmlformats.org/officeDocument/2006/relationships" xmlns:p="http://schemas.openxmlformats.org/presentationml/2006/main">
-  <p:cSld>
-    <p:spTree>
-      <p:nvGrpSpPr>
-        <p:cNvPr id="1" name=""/>
-        <p:cNvGrpSpPr/>
-        <p:nvPr/>
-      </p:nvGrpSpPr>
-      <p:grpSpPr>
-        <a:xfrm>
-          <a:off x="0" y="0"/>
-          <a:ext cx="0" cy="0"/>
-          <a:chOff x="0" y="0"/>
-          <a:chExt cx="0" cy="0"/>
-        </a:xfrm>
-      </p:grpSpPr>
-      <p:grpSp>
-        <p:nvGrpSpPr>
-          <p:cNvPr id="9" name="Группа 8"/>
-          <p:cNvGrpSpPr/>
-          <p:nvPr/>
-        </p:nvGrpSpPr>
-        <p:grpSpPr>
-          <a:xfrm>
-            <a:off x="231641" y="804755"/>
-            <a:ext cx="8583930" cy="83408"/>
-            <a:chOff x="240030" y="759941"/>
-            <a:chExt cx="8583930" cy="83408"/>
-          </a:xfrm>
-        </p:grpSpPr>
-        <p:cxnSp>
-          <p:nvCxnSpPr>
-            <p:cNvPr id="2" name="Прямая соединительная линия 1"/>
-            <p:cNvCxnSpPr/>
-            <p:nvPr/>
-          </p:nvCxnSpPr>
-          <p:spPr>
-            <a:xfrm>
-              <a:off x="560070" y="759941"/>
-              <a:ext cx="8263890" cy="0"/>
-            </a:xfrm>
-            <a:prstGeom prst="line">
-              <a:avLst/>
-            </a:prstGeom>
-            <a:ln w="76200" cap="flat" cmpd="sng" algn="ctr">
-              <a:solidFill>
-                <a:srgbClr val="0064B5"/>
-              </a:solidFill>
-              <a:prstDash val="solid"/>
-              <a:round/>
-              <a:headEnd type="none" w="med" len="sm"/>
-              <a:tailEnd type="none" w="med" len="sm"/>
-            </a:ln>
-          </p:spPr>
-          <p:style>
-            <a:lnRef idx="1">
-              <a:schemeClr val="accent1"/>
-            </a:lnRef>
-            <a:fillRef idx="0">
-              <a:schemeClr val="accent1"/>
-            </a:fillRef>
-            <a:effectRef idx="0">
-              <a:schemeClr val="accent1"/>
-            </a:effectRef>
-            <a:fontRef idx="minor">
-              <a:schemeClr val="tx1"/>
-            </a:fontRef>
-          </p:style>
-        </p:cxnSp>
-        <p:cxnSp>
-          <p:nvCxnSpPr>
-            <p:cNvPr id="3" name="Прямая соединительная линия 2"/>
-            <p:cNvCxnSpPr/>
-            <p:nvPr/>
-          </p:nvCxnSpPr>
-          <p:spPr>
-            <a:xfrm>
-              <a:off x="240030" y="843349"/>
-              <a:ext cx="8286750" cy="0"/>
-            </a:xfrm>
-            <a:prstGeom prst="line">
-              <a:avLst/>
-            </a:prstGeom>
-            <a:ln w="76200" cap="flat" cmpd="sng" algn="ctr">
-              <a:solidFill>
-                <a:srgbClr val="F5A200"/>
-              </a:solidFill>
-              <a:prstDash val="solid"/>
-              <a:round/>
-              <a:headEnd type="none" w="med" len="sm"/>
-              <a:tailEnd type="none" w="med" len="sm"/>
-            </a:ln>
-          </p:spPr>
-          <p:style>
-            <a:lnRef idx="1">
-              <a:schemeClr val="accent1"/>
-            </a:lnRef>
-            <a:fillRef idx="0">
-              <a:schemeClr val="accent1"/>
-            </a:fillRef>
-            <a:effectRef idx="0">
-              <a:schemeClr val="accent1"/>
-            </a:effectRef>
-            <a:fontRef idx="minor">
-              <a:schemeClr val="tx1"/>
-            </a:fontRef>
-          </p:style>
-        </p:cxnSp>
-      </p:grpSp>
-      <p:sp>
-        <p:nvSpPr>
-          <p:cNvPr id="5" name="TextBox 4"/>
-          <p:cNvSpPr txBox="1"/>
-          <p:nvPr/>
-        </p:nvSpPr>
-        <p:spPr>
-          <a:xfrm>
-            <a:off x="491506" y="135310"/>
-            <a:ext cx="8504712" cy="629326"/>
-          </a:xfrm>
-          <a:prstGeom prst="rect">
-            <a:avLst/>
-          </a:prstGeom>
-          <a:noFill/>
-        </p:spPr>
-        <p:txBody>
-          <a:bodyPr vert="horz" wrap="square" lIns="74600" tIns="37300" rIns="74600" bIns="37300" rtlCol="0">
-            <a:spAutoFit/>
-          </a:bodyPr>
-          <a:lstStyle/>
-          <a:p>
-            <a:r>
-              <a:rPr lang="en-US" sz="3600" b="1" dirty="0">
-                <a:solidFill>
-                  <a:srgbClr val="0064B5"/>
-                </a:solidFill>
-                <a:latin typeface="Arial" pitchFamily="34" charset="0"/>
-                <a:cs typeface="Arial" pitchFamily="34" charset="0"/>
-              </a:rPr>
-              <a:t>Shiny</a:t>
-            </a:r>
-            <a:endParaRPr lang="ru-RU" sz="3600" b="1" dirty="0">
-              <a:solidFill>
-                <a:srgbClr val="0064B5"/>
-              </a:solidFill>
-              <a:latin typeface="Arial" pitchFamily="34" charset="0"/>
-              <a:cs typeface="Arial" pitchFamily="34" charset="0"/>
-            </a:endParaRPr>
-          </a:p>
-        </p:txBody>
-      </p:sp>
-      <p:sp>
-        <p:nvSpPr>
-          <p:cNvPr id="11" name="Rectangle 3"/>
-          <p:cNvSpPr>
-            <a:spLocks noChangeArrowheads="1"/>
-          </p:cNvSpPr>
-          <p:nvPr/>
-        </p:nvSpPr>
-        <p:spPr bwMode="auto">
-          <a:xfrm>
-            <a:off x="2797175" y="1828800"/>
-            <a:ext cx="9144000" cy="0"/>
-          </a:xfrm>
-          <a:prstGeom prst="rect">
-            <a:avLst/>
-          </a:prstGeom>
-          <a:noFill/>
-          <a:ln>
-            <a:noFill/>
-          </a:ln>
-          <a:effectLst/>
-          <a:extLst>
-            <a:ext uri="{909E8E84-426E-40DD-AFC4-6F175D3DCCD1}">
-              <a14:hiddenFill xmlns:a14="http://schemas.microsoft.com/office/drawing/2010/main">
-                <a:solidFill>
-                  <a:schemeClr val="accent1"/>
-                </a:solidFill>
-              </a14:hiddenFill>
-            </a:ext>
-            <a:ext uri="{91240B29-F687-4F45-9708-019B960494DF}">
-              <a14:hiddenLine xmlns:a14="http://schemas.microsoft.com/office/drawing/2010/main" w="9525">
-                <a:solidFill>
-                  <a:schemeClr val="tx1"/>
-                </a:solidFill>
-                <a:miter lim="800000"/>
-                <a:headEnd/>
-                <a:tailEnd/>
-              </a14:hiddenLine>
-            </a:ext>
-            <a:ext uri="{AF507438-7753-43E0-B8FC-AC1667EBCBE1}">
-              <a14:hiddenEffects xmlns:a14="http://schemas.microsoft.com/office/drawing/2010/main">
-                <a:effectLst>
-                  <a:outerShdw dist="35921" dir="2700000" algn="ctr" rotWithShape="0">
-                    <a:schemeClr val="bg2"/>
-                  </a:outerShdw>
-                </a:effectLst>
-              </a14:hiddenEffects>
-            </a:ext>
-          </a:extLst>
-        </p:spPr>
-        <p:txBody>
-          <a:bodyPr vert="horz" wrap="none" lIns="91440" tIns="45720" rIns="91440" bIns="45720" numCol="1" anchor="ctr" anchorCtr="0" compatLnSpc="1">
-            <a:prstTxWarp prst="textNoShape">
-              <a:avLst/>
-            </a:prstTxWarp>
-            <a:spAutoFit/>
-          </a:bodyPr>
-          <a:lstStyle/>
-          <a:p>
-            <a:pPr marL="0" marR="0" lvl="0" indent="0" algn="l" defTabSz="914400" rtl="0" eaLnBrk="0" fontAlgn="base" latinLnBrk="0" hangingPunct="0">
-              <a:lnSpc>
-                <a:spcPct val="100000"/>
-              </a:lnSpc>
-              <a:spcBef>
-                <a:spcPct val="0"/>
-              </a:spcBef>
-              <a:spcAft>
-                <a:spcPct val="0"/>
-              </a:spcAft>
-              <a:buClrTx/>
-              <a:buSzTx/>
-              <a:buFontTx/>
-              <a:buNone/>
-              <a:tabLst/>
-            </a:pPr>
-            <a:br>
-              <a:rPr kumimoji="0" lang="en-US" altLang="en-US" sz="1800" b="0" i="0" u="none" strike="noStrike" cap="none" normalizeH="0" baseline="0">
-                <a:ln>
-                  <a:noFill/>
-                </a:ln>
-                <a:solidFill>
-                  <a:schemeClr val="tx1"/>
-                </a:solidFill>
-                <a:effectLst/>
-                <a:latin typeface="Arial" panose="020B0604020202020204" pitchFamily="34" charset="0"/>
-              </a:rPr>
-            </a:br>
-            <a:endParaRPr kumimoji="0" lang="en-US" altLang="en-US" sz="1800" b="0" i="0" u="none" strike="noStrike" cap="none" normalizeH="0" baseline="0">
-              <a:ln>
-                <a:noFill/>
-              </a:ln>
-              <a:solidFill>
-                <a:schemeClr val="tx1"/>
-              </a:solidFill>
-              <a:effectLst/>
-              <a:latin typeface="Arial" panose="020B0604020202020204" pitchFamily="34" charset="0"/>
-            </a:endParaRPr>
-          </a:p>
-        </p:txBody>
-      </p:sp>
-      <p:pic>
-        <p:nvPicPr>
-          <p:cNvPr id="2050" name="Picture 2" descr="https://cdn-images-1.medium.com/max/1500/0*fzEovljutLXcaBIH.png"/>
-          <p:cNvPicPr>
-            <a:picLocks noChangeAspect="1" noChangeArrowheads="1"/>
-          </p:cNvPicPr>
-          <p:nvPr/>
-        </p:nvPicPr>
-        <p:blipFill>
-          <a:blip r:embed="rId3" cstate="print">
-            <a:extLst>
-              <a:ext uri="{28A0092B-C50C-407E-A947-70E740481C1C}">
-                <a14:useLocalDpi xmlns:a14="http://schemas.microsoft.com/office/drawing/2010/main" val="0"/>
-              </a:ext>
-            </a:extLst>
-          </a:blip>
-          <a:srcRect/>
-          <a:stretch>
-            <a:fillRect/>
-          </a:stretch>
-        </p:blipFill>
-        <p:spPr bwMode="auto">
-          <a:xfrm>
-            <a:off x="138112" y="4213323"/>
-            <a:ext cx="4986383" cy="2339877"/>
-          </a:xfrm>
-          <a:prstGeom prst="rect">
-            <a:avLst/>
-          </a:prstGeom>
-          <a:noFill/>
-          <a:extLst>
-            <a:ext uri="{909E8E84-426E-40DD-AFC4-6F175D3DCCD1}">
-              <a14:hiddenFill xmlns:a14="http://schemas.microsoft.com/office/drawing/2010/main">
-                <a:solidFill>
-                  <a:srgbClr val="FFFFFF"/>
-                </a:solidFill>
-              </a14:hiddenFill>
-            </a:ext>
-          </a:extLst>
-        </p:spPr>
-      </p:pic>
-      <p:pic>
-        <p:nvPicPr>
-          <p:cNvPr id="6" name="Рисунок 5"/>
-          <p:cNvPicPr>
-            <a:picLocks noChangeAspect="1"/>
-          </p:cNvPicPr>
-          <p:nvPr/>
-        </p:nvPicPr>
-        <p:blipFill>
-          <a:blip r:embed="rId4"/>
-          <a:stretch>
-            <a:fillRect/>
-          </a:stretch>
-        </p:blipFill>
-        <p:spPr>
-          <a:xfrm>
-            <a:off x="5156699" y="1182332"/>
-            <a:ext cx="3787033" cy="5038725"/>
-          </a:xfrm>
-          <a:prstGeom prst="rect">
-            <a:avLst/>
-          </a:prstGeom>
-        </p:spPr>
-      </p:pic>
-      <p:sp>
-        <p:nvSpPr>
-          <p:cNvPr id="7" name="Прямоугольник 6"/>
-          <p:cNvSpPr/>
-          <p:nvPr/>
-        </p:nvSpPr>
-        <p:spPr>
-          <a:xfrm>
-            <a:off x="5962533" y="6330559"/>
-            <a:ext cx="2640018" cy="369332"/>
-          </a:xfrm>
-          <a:prstGeom prst="rect">
-            <a:avLst/>
-          </a:prstGeom>
-        </p:spPr>
-        <p:txBody>
-          <a:bodyPr wrap="none">
-            <a:spAutoFit/>
-          </a:bodyPr>
-          <a:lstStyle/>
-          <a:p>
-            <a:r>
-              <a:rPr lang="en-US" dirty="0"/>
-              <a:t>https://shiny.rstudio.com/</a:t>
-            </a:r>
-          </a:p>
-        </p:txBody>
-      </p:sp>
-      <p:sp>
-        <p:nvSpPr>
-          <p:cNvPr id="8" name="Прямоугольник 7"/>
-          <p:cNvSpPr/>
-          <p:nvPr/>
-        </p:nvSpPr>
-        <p:spPr>
-          <a:xfrm>
-            <a:off x="231641" y="1082340"/>
-            <a:ext cx="4572000" cy="923330"/>
-          </a:xfrm>
-          <a:prstGeom prst="rect">
-            <a:avLst/>
-          </a:prstGeom>
-        </p:spPr>
-        <p:txBody>
-          <a:bodyPr>
-            <a:spAutoFit/>
-          </a:bodyPr>
-          <a:lstStyle/>
-          <a:p>
-            <a:r>
-              <a:rPr lang="en-US" dirty="0" err="1"/>
-              <a:t>install.packages</a:t>
-            </a:r>
-            <a:r>
-              <a:rPr lang="en-US" dirty="0"/>
-              <a:t>("shiny", dep=T)</a:t>
-            </a:r>
-          </a:p>
-          <a:p>
-            <a:r>
-              <a:rPr lang="en-US" dirty="0"/>
-              <a:t>library(shiny)</a:t>
-            </a:r>
-          </a:p>
-          <a:p>
-            <a:r>
-              <a:rPr lang="en-US" dirty="0" err="1"/>
-              <a:t>runApp</a:t>
-            </a:r>
-            <a:r>
-              <a:rPr lang="en-US" dirty="0"/>
-              <a:t>()</a:t>
-            </a:r>
-          </a:p>
-        </p:txBody>
-      </p:sp>
-      <p:sp>
-        <p:nvSpPr>
-          <p:cNvPr id="10" name="Прямоугольник 9"/>
-          <p:cNvSpPr/>
-          <p:nvPr/>
-        </p:nvSpPr>
-        <p:spPr>
-          <a:xfrm>
-            <a:off x="231641" y="1991267"/>
-            <a:ext cx="4572000" cy="646331"/>
-          </a:xfrm>
-          <a:prstGeom prst="rect">
-            <a:avLst/>
-          </a:prstGeom>
-        </p:spPr>
-        <p:txBody>
-          <a:bodyPr>
-            <a:spAutoFit/>
-          </a:bodyPr>
-          <a:lstStyle/>
-          <a:p>
-            <a:r>
-              <a:rPr lang="en-US" dirty="0"/>
-              <a:t>https://cran.r-project.org/web/packages/shiny/shiny.pdf</a:t>
-            </a:r>
-          </a:p>
-        </p:txBody>
-      </p:sp>
-      <p:sp>
-        <p:nvSpPr>
-          <p:cNvPr id="12" name="Прямоугольник 11"/>
-          <p:cNvSpPr/>
-          <p:nvPr/>
-        </p:nvSpPr>
-        <p:spPr>
-          <a:xfrm>
-            <a:off x="231641" y="2643077"/>
-            <a:ext cx="4783617" cy="646331"/>
-          </a:xfrm>
-          <a:prstGeom prst="rect">
-            <a:avLst/>
-          </a:prstGeom>
-        </p:spPr>
-        <p:txBody>
-          <a:bodyPr wrap="none">
-            <a:spAutoFit/>
-          </a:bodyPr>
-          <a:lstStyle/>
-          <a:p>
-            <a:r>
-              <a:rPr lang="en-US" dirty="0">
-                <a:hlinkClick r:id="rId5"/>
-              </a:rPr>
-              <a:t>https://www.shinyapps.io/</a:t>
-            </a:r>
-            <a:r>
-              <a:rPr lang="en-US" dirty="0"/>
-              <a:t> </a:t>
-            </a:r>
-            <a:r>
-              <a:rPr lang="ru-RU" dirty="0"/>
-              <a:t>- размещение своих </a:t>
-            </a:r>
-          </a:p>
-          <a:p>
-            <a:r>
-              <a:rPr lang="ru-RU" dirty="0"/>
-              <a:t>Приложений(платное)</a:t>
-            </a:r>
-            <a:endParaRPr lang="en-US" dirty="0"/>
-          </a:p>
-        </p:txBody>
-      </p:sp>
-      <p:sp>
-        <p:nvSpPr>
-          <p:cNvPr id="13" name="Прямоугольник 12"/>
-          <p:cNvSpPr/>
-          <p:nvPr/>
-        </p:nvSpPr>
-        <p:spPr>
-          <a:xfrm>
-            <a:off x="231641" y="3289408"/>
-            <a:ext cx="4572000" cy="646331"/>
-          </a:xfrm>
-          <a:prstGeom prst="rect">
-            <a:avLst/>
-          </a:prstGeom>
-        </p:spPr>
-        <p:txBody>
-          <a:bodyPr>
-            <a:spAutoFit/>
-          </a:bodyPr>
-          <a:lstStyle/>
-          <a:p>
-            <a:r>
-              <a:rPr lang="en-US" dirty="0">
-                <a:hlinkClick r:id="rId6"/>
-              </a:rPr>
-              <a:t>https://www.rstudio.com/products/shiny/download-server/</a:t>
-            </a:r>
-            <a:r>
-              <a:rPr lang="ru-RU" dirty="0"/>
-              <a:t> - </a:t>
-            </a:r>
-            <a:r>
-              <a:rPr lang="en-US" dirty="0"/>
-              <a:t>open source </a:t>
-            </a:r>
-            <a:r>
-              <a:rPr lang="ru-RU" dirty="0"/>
-              <a:t>сервер</a:t>
-            </a:r>
-            <a:endParaRPr lang="en-US" dirty="0"/>
-          </a:p>
-        </p:txBody>
-      </p:sp>
-      <p:sp>
-        <p:nvSpPr>
-          <p:cNvPr id="14" name="Прямоугольник 13"/>
-          <p:cNvSpPr/>
-          <p:nvPr/>
-        </p:nvSpPr>
-        <p:spPr>
-          <a:xfrm>
-            <a:off x="5275029" y="971571"/>
-            <a:ext cx="3817520" cy="369332"/>
-          </a:xfrm>
-          <a:prstGeom prst="rect">
-            <a:avLst/>
-          </a:prstGeom>
-        </p:spPr>
-        <p:txBody>
-          <a:bodyPr wrap="none">
-            <a:spAutoFit/>
-          </a:bodyPr>
-          <a:lstStyle/>
-          <a:p>
-            <a:r>
-              <a:rPr lang="en-US" dirty="0"/>
-              <a:t>http://rstudio.github.io/shiny/tutorial/</a:t>
-            </a:r>
-          </a:p>
-        </p:txBody>
-      </p:sp>
-    </p:spTree>
-    <p:extLst>
-      <p:ext uri="{BB962C8B-B14F-4D97-AF65-F5344CB8AC3E}">
-        <p14:creationId xmlns:p14="http://schemas.microsoft.com/office/powerpoint/2010/main" val="3340078042"/>
-      </p:ext>
-    </p:extLst>
-  </p:cSld>
-  <p:clrMapOvr>
-    <a:masterClrMapping/>
-  </p:clrMapOvr>
-</p:sld>
-</file>
-
-<file path=ppt/slides/slide5.xml><?xml version="1.0" encoding="utf-8"?>
-<p:sld xmlns:a="http://schemas.openxmlformats.org/drawingml/2006/main" xmlns:r="http://schemas.openxmlformats.org/officeDocument/2006/relationships" xmlns:p="http://schemas.openxmlformats.org/presentationml/2006/main">
-  <p:cSld>
-    <p:spTree>
-      <p:nvGrpSpPr>
-        <p:cNvPr id="1" name=""/>
-        <p:cNvGrpSpPr/>
-        <p:nvPr/>
-      </p:nvGrpSpPr>
-      <p:grpSpPr>
-        <a:xfrm>
-          <a:off x="0" y="0"/>
-          <a:ext cx="0" cy="0"/>
-          <a:chOff x="0" y="0"/>
-          <a:chExt cx="0" cy="0"/>
-        </a:xfrm>
-      </p:grpSpPr>
-      <p:grpSp>
-        <p:nvGrpSpPr>
-          <p:cNvPr id="9" name="Группа 8"/>
-          <p:cNvGrpSpPr/>
-          <p:nvPr/>
-        </p:nvGrpSpPr>
-        <p:grpSpPr>
-          <a:xfrm>
-            <a:off x="231641" y="804755"/>
-            <a:ext cx="8583930" cy="83408"/>
-            <a:chOff x="240030" y="759941"/>
-            <a:chExt cx="8583930" cy="83408"/>
-          </a:xfrm>
-        </p:grpSpPr>
-        <p:cxnSp>
-          <p:nvCxnSpPr>
-            <p:cNvPr id="2" name="Прямая соединительная линия 1"/>
-            <p:cNvCxnSpPr/>
-            <p:nvPr/>
-          </p:nvCxnSpPr>
-          <p:spPr>
-            <a:xfrm>
-              <a:off x="560070" y="759941"/>
-              <a:ext cx="8263890" cy="0"/>
-            </a:xfrm>
-            <a:prstGeom prst="line">
-              <a:avLst/>
-            </a:prstGeom>
-            <a:ln w="76200" cap="flat" cmpd="sng" algn="ctr">
-              <a:solidFill>
-                <a:srgbClr val="0064B5"/>
-              </a:solidFill>
-              <a:prstDash val="solid"/>
-              <a:round/>
-              <a:headEnd type="none" w="med" len="sm"/>
-              <a:tailEnd type="none" w="med" len="sm"/>
-            </a:ln>
-          </p:spPr>
-          <p:style>
-            <a:lnRef idx="1">
-              <a:schemeClr val="accent1"/>
-            </a:lnRef>
-            <a:fillRef idx="0">
-              <a:schemeClr val="accent1"/>
-            </a:fillRef>
-            <a:effectRef idx="0">
-              <a:schemeClr val="accent1"/>
-            </a:effectRef>
-            <a:fontRef idx="minor">
-              <a:schemeClr val="tx1"/>
-            </a:fontRef>
-          </p:style>
-        </p:cxnSp>
-        <p:cxnSp>
-          <p:nvCxnSpPr>
-            <p:cNvPr id="3" name="Прямая соединительная линия 2"/>
-            <p:cNvCxnSpPr/>
-            <p:nvPr/>
-          </p:nvCxnSpPr>
-          <p:spPr>
-            <a:xfrm>
-              <a:off x="240030" y="843349"/>
-              <a:ext cx="8286750" cy="0"/>
-            </a:xfrm>
-            <a:prstGeom prst="line">
-              <a:avLst/>
-            </a:prstGeom>
-            <a:ln w="76200" cap="flat" cmpd="sng" algn="ctr">
-              <a:solidFill>
-                <a:srgbClr val="F5A200"/>
-              </a:solidFill>
-              <a:prstDash val="solid"/>
-              <a:round/>
-              <a:headEnd type="none" w="med" len="sm"/>
-              <a:tailEnd type="none" w="med" len="sm"/>
-            </a:ln>
-          </p:spPr>
-          <p:style>
-            <a:lnRef idx="1">
-              <a:schemeClr val="accent1"/>
-            </a:lnRef>
-            <a:fillRef idx="0">
-              <a:schemeClr val="accent1"/>
-            </a:fillRef>
-            <a:effectRef idx="0">
-              <a:schemeClr val="accent1"/>
-            </a:effectRef>
-            <a:fontRef idx="minor">
-              <a:schemeClr val="tx1"/>
-            </a:fontRef>
-          </p:style>
-        </p:cxnSp>
-      </p:grpSp>
-      <p:sp>
-        <p:nvSpPr>
-          <p:cNvPr id="5" name="TextBox 4"/>
-          <p:cNvSpPr txBox="1"/>
-          <p:nvPr/>
-        </p:nvSpPr>
-        <p:spPr>
-          <a:xfrm>
-            <a:off x="491506" y="135310"/>
-            <a:ext cx="8504712" cy="629326"/>
-          </a:xfrm>
-          <a:prstGeom prst="rect">
-            <a:avLst/>
-          </a:prstGeom>
-          <a:noFill/>
-        </p:spPr>
-        <p:txBody>
-          <a:bodyPr vert="horz" wrap="square" lIns="74600" tIns="37300" rIns="74600" bIns="37300" rtlCol="0">
-            <a:spAutoFit/>
-          </a:bodyPr>
-          <a:lstStyle/>
-          <a:p>
-            <a:r>
-              <a:rPr lang="ru-RU" sz="3600" b="1" dirty="0">
-                <a:solidFill>
-                  <a:srgbClr val="0064B5"/>
-                </a:solidFill>
-                <a:latin typeface="Arial" pitchFamily="34" charset="0"/>
-                <a:cs typeface="Arial" pitchFamily="34" charset="0"/>
-              </a:rPr>
-              <a:t>Задание</a:t>
-            </a:r>
-            <a:r>
-              <a:rPr lang="en-US" sz="3600" b="1" dirty="0">
-                <a:solidFill>
-                  <a:srgbClr val="0064B5"/>
-                </a:solidFill>
-                <a:latin typeface="Arial" pitchFamily="34" charset="0"/>
-                <a:cs typeface="Arial" pitchFamily="34" charset="0"/>
-              </a:rPr>
-              <a:t> </a:t>
-            </a:r>
-            <a:r>
-              <a:rPr lang="ru-RU" sz="3600" b="1" dirty="0">
-                <a:solidFill>
-                  <a:srgbClr val="0064B5"/>
-                </a:solidFill>
-                <a:latin typeface="Arial" pitchFamily="34" charset="0"/>
-                <a:cs typeface="Arial" pitchFamily="34" charset="0"/>
-              </a:rPr>
-              <a:t>2	</a:t>
-            </a:r>
-          </a:p>
-        </p:txBody>
-      </p:sp>
-      <p:sp>
-        <p:nvSpPr>
-          <p:cNvPr id="7" name="Прямоугольник 6"/>
-          <p:cNvSpPr/>
-          <p:nvPr/>
-        </p:nvSpPr>
-        <p:spPr>
-          <a:xfrm>
-            <a:off x="300524" y="1030293"/>
-            <a:ext cx="7752907" cy="4893647"/>
-          </a:xfrm>
-          <a:prstGeom prst="rect">
-            <a:avLst/>
-          </a:prstGeom>
-        </p:spPr>
-        <p:txBody>
-          <a:bodyPr wrap="square">
-            <a:spAutoFit/>
-          </a:bodyPr>
-          <a:lstStyle/>
-          <a:p>
-            <a:pPr marL="457200" indent="-457200">
-              <a:buAutoNum type="arabicPeriod"/>
-            </a:pPr>
-            <a:r>
-              <a:rPr lang="ru-RU" sz="2400" dirty="0"/>
-              <a:t>Сделать </a:t>
-            </a:r>
-            <a:r>
-              <a:rPr lang="ru-RU" sz="2400" dirty="0" err="1"/>
-              <a:t>вэб</a:t>
-            </a:r>
-            <a:r>
-              <a:rPr lang="ru-RU" sz="2400" dirty="0"/>
-              <a:t>-приложение для формирования облака слов из загруженного файла. Учесть возможность указания минимальной частоты.</a:t>
-            </a:r>
-          </a:p>
-          <a:p>
-            <a:pPr marL="457200" indent="-457200">
-              <a:buAutoNum type="arabicPeriod"/>
-            </a:pPr>
-            <a:r>
-              <a:rPr lang="ru-RU" sz="2400" dirty="0"/>
-              <a:t>Сделать </a:t>
-            </a:r>
-            <a:r>
-              <a:rPr lang="ru-RU" sz="2400" dirty="0" err="1"/>
-              <a:t>вэб</a:t>
-            </a:r>
-            <a:r>
-              <a:rPr lang="ru-RU" sz="2400" dirty="0"/>
-              <a:t>-приложение </a:t>
-            </a:r>
-            <a:r>
-              <a:rPr lang="ru-RU" sz="2400"/>
-              <a:t>для задания 2 </a:t>
-            </a:r>
-            <a:r>
-              <a:rPr lang="ru-RU" sz="2400" dirty="0"/>
-              <a:t>из </a:t>
-            </a:r>
-            <a:r>
-              <a:rPr lang="en-US" sz="2400" dirty="0"/>
-              <a:t>DS-Day-</a:t>
-            </a:r>
-            <a:r>
-              <a:rPr lang="ru-RU" sz="2400" dirty="0"/>
-              <a:t>7</a:t>
-            </a:r>
-            <a:r>
-              <a:rPr lang="en-US" sz="2400" dirty="0"/>
-              <a:t>. </a:t>
-            </a:r>
-            <a:r>
-              <a:rPr lang="ru-RU" sz="2400" dirty="0"/>
-              <a:t>Оно должно содержать несколько вкладок:</a:t>
-            </a:r>
-          </a:p>
-          <a:p>
-            <a:pPr marL="914400" lvl="1" indent="-457200">
-              <a:buAutoNum type="arabicPeriod"/>
-            </a:pPr>
-            <a:r>
-              <a:rPr lang="ru-RU" sz="2400" dirty="0"/>
-              <a:t>Таблица с данными</a:t>
-            </a:r>
-          </a:p>
-          <a:p>
-            <a:pPr marL="914400" lvl="1" indent="-457200">
-              <a:buAutoNum type="arabicPeriod"/>
-            </a:pPr>
-            <a:r>
-              <a:rPr lang="ru-RU" sz="2400" dirty="0"/>
-              <a:t>Отображение данных на карте (выбираем год и параметр)</a:t>
-            </a:r>
-          </a:p>
-          <a:p>
-            <a:pPr marL="914400" lvl="1" indent="-457200">
-              <a:buAutoNum type="arabicPeriod"/>
-            </a:pPr>
-            <a:r>
-              <a:rPr lang="ru-RU" sz="2400" dirty="0"/>
-              <a:t>Мы указываем для построенной модели входные параметры, отображаются результаты. Картинку с самой получившейся сетью тоже разместить.</a:t>
-            </a:r>
-            <a:endParaRPr lang="en-US" sz="2400" dirty="0"/>
-          </a:p>
-          <a:p>
-            <a:pPr marL="914400" lvl="1" indent="-457200">
-              <a:buAutoNum type="arabicPeriod"/>
-            </a:pPr>
-            <a:endParaRPr lang="uk-UA" sz="2400" dirty="0"/>
-          </a:p>
-          <a:p>
-            <a:pPr marL="457200" indent="-457200">
-              <a:buAutoNum type="arabicParenR"/>
-            </a:pPr>
-            <a:endParaRPr lang="uk-UA" sz="2400" dirty="0"/>
-          </a:p>
-        </p:txBody>
-      </p:sp>
-      <p:sp>
-        <p:nvSpPr>
-          <p:cNvPr id="11" name="Rectangle 3"/>
-          <p:cNvSpPr>
-            <a:spLocks noChangeArrowheads="1"/>
-          </p:cNvSpPr>
-          <p:nvPr/>
-        </p:nvSpPr>
-        <p:spPr bwMode="auto">
-          <a:xfrm>
-            <a:off x="2797175" y="1828800"/>
-            <a:ext cx="9144000" cy="0"/>
-          </a:xfrm>
-          <a:prstGeom prst="rect">
-            <a:avLst/>
-          </a:prstGeom>
-          <a:noFill/>
-          <a:ln>
-            <a:noFill/>
-          </a:ln>
-          <a:effectLst/>
-          <a:extLst>
-            <a:ext uri="{909E8E84-426E-40DD-AFC4-6F175D3DCCD1}">
-              <a14:hiddenFill xmlns:a14="http://schemas.microsoft.com/office/drawing/2010/main">
-                <a:solidFill>
-                  <a:schemeClr val="accent1"/>
-                </a:solidFill>
-              </a14:hiddenFill>
-            </a:ext>
-            <a:ext uri="{91240B29-F687-4F45-9708-019B960494DF}">
-              <a14:hiddenLine xmlns:a14="http://schemas.microsoft.com/office/drawing/2010/main" w="9525">
-                <a:solidFill>
-                  <a:schemeClr val="tx1"/>
-                </a:solidFill>
-                <a:miter lim="800000"/>
-                <a:headEnd/>
-                <a:tailEnd/>
-              </a14:hiddenLine>
-            </a:ext>
-            <a:ext uri="{AF507438-7753-43E0-B8FC-AC1667EBCBE1}">
-              <a14:hiddenEffects xmlns:a14="http://schemas.microsoft.com/office/drawing/2010/main">
-                <a:effectLst>
-                  <a:outerShdw dist="35921" dir="2700000" algn="ctr" rotWithShape="0">
-                    <a:schemeClr val="bg2"/>
-                  </a:outerShdw>
-                </a:effectLst>
-              </a14:hiddenEffects>
-            </a:ext>
-          </a:extLst>
-        </p:spPr>
-        <p:txBody>
-          <a:bodyPr vert="horz" wrap="none" lIns="91440" tIns="45720" rIns="91440" bIns="45720" numCol="1" anchor="ctr" anchorCtr="0" compatLnSpc="1">
-            <a:prstTxWarp prst="textNoShape">
-              <a:avLst/>
-            </a:prstTxWarp>
-            <a:spAutoFit/>
-          </a:bodyPr>
-          <a:lstStyle/>
-          <a:p>
-            <a:pPr marL="0" marR="0" lvl="0" indent="0" algn="l" defTabSz="914400" rtl="0" eaLnBrk="0" fontAlgn="base" latinLnBrk="0" hangingPunct="0">
-              <a:lnSpc>
-                <a:spcPct val="100000"/>
-              </a:lnSpc>
-              <a:spcBef>
-                <a:spcPct val="0"/>
-              </a:spcBef>
-              <a:spcAft>
-                <a:spcPct val="0"/>
-              </a:spcAft>
-              <a:buClrTx/>
-              <a:buSzTx/>
-              <a:buFontTx/>
-              <a:buNone/>
-              <a:tabLst/>
-            </a:pPr>
-            <a:br>
-              <a:rPr kumimoji="0" lang="en-US" altLang="en-US" sz="1800" b="0" i="0" u="none" strike="noStrike" cap="none" normalizeH="0" baseline="0">
-                <a:ln>
-                  <a:noFill/>
-                </a:ln>
-                <a:solidFill>
-                  <a:schemeClr val="tx1"/>
-                </a:solidFill>
-                <a:effectLst/>
-                <a:latin typeface="Arial" panose="020B0604020202020204" pitchFamily="34" charset="0"/>
-              </a:rPr>
-            </a:br>
-            <a:endParaRPr kumimoji="0" lang="en-US" altLang="en-US" sz="1800" b="0" i="0" u="none" strike="noStrike" cap="none" normalizeH="0" baseline="0">
-              <a:ln>
-                <a:noFill/>
-              </a:ln>
-              <a:solidFill>
-                <a:schemeClr val="tx1"/>
-              </a:solidFill>
-              <a:effectLst/>
-              <a:latin typeface="Arial" panose="020B0604020202020204" pitchFamily="34" charset="0"/>
-            </a:endParaRPr>
-          </a:p>
-        </p:txBody>
-      </p:sp>
-    </p:spTree>
-    <p:extLst>
-      <p:ext uri="{BB962C8B-B14F-4D97-AF65-F5344CB8AC3E}">
-        <p14:creationId xmlns:p14="http://schemas.microsoft.com/office/powerpoint/2010/main" val="28180219"/>
       </p:ext>
     </p:extLst>
   </p:cSld>
